--- a/Slides/Clase_10_2020.pptx
+++ b/Slides/Clase_10_2020.pptx
@@ -5,46 +5,49 @@
     <p:sldMasterId id="2147483657" r:id="rId1"/>
   </p:sldMasterIdLst>
   <p:notesMasterIdLst>
-    <p:notesMasterId r:id="rId15"/>
+    <p:notesMasterId r:id="rId18"/>
   </p:notesMasterIdLst>
   <p:sldIdLst>
     <p:sldId id="256" r:id="rId2"/>
     <p:sldId id="346" r:id="rId3"/>
     <p:sldId id="612" r:id="rId4"/>
     <p:sldId id="639" r:id="rId5"/>
-    <p:sldId id="640" r:id="rId6"/>
-    <p:sldId id="641" r:id="rId7"/>
-    <p:sldId id="646" r:id="rId8"/>
-    <p:sldId id="650" r:id="rId9"/>
-    <p:sldId id="651" r:id="rId10"/>
-    <p:sldId id="647" r:id="rId11"/>
-    <p:sldId id="648" r:id="rId12"/>
-    <p:sldId id="649" r:id="rId13"/>
-    <p:sldId id="371" r:id="rId14"/>
+    <p:sldId id="653" r:id="rId6"/>
+    <p:sldId id="640" r:id="rId7"/>
+    <p:sldId id="652" r:id="rId8"/>
+    <p:sldId id="655" r:id="rId9"/>
+    <p:sldId id="656" r:id="rId10"/>
+    <p:sldId id="641" r:id="rId11"/>
+    <p:sldId id="650" r:id="rId12"/>
+    <p:sldId id="651" r:id="rId13"/>
+    <p:sldId id="647" r:id="rId14"/>
+    <p:sldId id="648" r:id="rId15"/>
+    <p:sldId id="649" r:id="rId16"/>
+    <p:sldId id="371" r:id="rId17"/>
   </p:sldIdLst>
   <p:sldSz cx="9144000" cy="5143500" type="screen16x9"/>
   <p:notesSz cx="6858000" cy="9144000"/>
   <p:embeddedFontLst>
     <p:embeddedFont>
       <p:font typeface="Arvo" panose="020B0604020202020204" charset="0"/>
-      <p:regular r:id="rId16"/>
-      <p:bold r:id="rId17"/>
-      <p:italic r:id="rId18"/>
-      <p:boldItalic r:id="rId19"/>
+      <p:regular r:id="rId19"/>
+      <p:bold r:id="rId20"/>
+      <p:italic r:id="rId21"/>
+      <p:boldItalic r:id="rId22"/>
     </p:embeddedFont>
     <p:embeddedFont>
-      <p:font typeface="Roboto Condensed" panose="020B0604020202020204" charset="0"/>
-      <p:regular r:id="rId20"/>
-      <p:bold r:id="rId21"/>
-      <p:italic r:id="rId22"/>
-      <p:boldItalic r:id="rId23"/>
+      <p:font typeface="Roboto Condensed" panose="02000000000000000000" pitchFamily="2" charset="0"/>
+      <p:regular r:id="rId23"/>
+      <p:bold r:id="rId24"/>
+      <p:italic r:id="rId25"/>
+      <p:boldItalic r:id="rId26"/>
     </p:embeddedFont>
     <p:embeddedFont>
-      <p:font typeface="Roboto Condensed Light" panose="020B0604020202020204" charset="0"/>
-      <p:regular r:id="rId24"/>
-      <p:bold r:id="rId25"/>
-      <p:italic r:id="rId26"/>
-      <p:boldItalic r:id="rId27"/>
+      <p:font typeface="Roboto Condensed Light" panose="02000000000000000000" pitchFamily="2" charset="0"/>
+      <p:regular r:id="rId27"/>
+      <p:bold r:id="rId28"/>
+      <p:italic r:id="rId29"/>
+      <p:boldItalic r:id="rId30"/>
     </p:embeddedFont>
   </p:embeddedFontLst>
   <p:defaultTextStyle>
@@ -3470,7 +3473,7 @@
           <a:p>
             <a:fld id="{00DBF6A6-50B5-43C4-86A5-B2443BF00A40}" type="datetimeFigureOut">
               <a:rPr lang="en-US" smtClean="0"/>
-              <a:t>10/6/2020</a:t>
+              <a:t>10/13/2021</a:t>
             </a:fld>
             <a:endParaRPr lang="en-US"/>
           </a:p>
@@ -5068,7 +5071,7 @@
           <a:p>
             <a:r>
               <a:rPr lang="es-MX" dirty="0"/>
-              <a:t>Rangos de datos</a:t>
+              <a:t>Patrones</a:t>
             </a:r>
           </a:p>
         </p:txBody>
@@ -5089,81 +5092,81 @@
           <a:lstStyle/>
           <a:p>
             <a:r>
-              <a:rPr lang="en-US" sz="1400" dirty="0"/>
-              <a:t>SELECT x, y FROM table</a:t>
+              <a:rPr lang="es-MX" dirty="0"/>
+              <a:t>Las instrucciones WHERE pueden tener condiciones donde la comparamos con un </a:t>
+            </a:r>
+            <a:r>
+              <a:rPr lang="es-MX" dirty="0" err="1"/>
+              <a:t>string</a:t>
+            </a:r>
+            <a:r>
+              <a:rPr lang="es-MX" dirty="0"/>
+              <a:t>:</a:t>
             </a:r>
           </a:p>
           <a:p>
             <a:pPr lvl="1"/>
             <a:r>
-              <a:rPr lang="en-US" sz="1400" dirty="0"/>
-              <a:t>WHERE data BETWEEN x AND y</a:t>
-            </a:r>
-          </a:p>
-          <a:p>
-            <a:r>
-              <a:rPr lang="en-US" sz="1400" dirty="0"/>
-              <a:t>SELECT name, </a:t>
-            </a:r>
-            <a:r>
-              <a:rPr lang="en-US" sz="1400" dirty="0" err="1"/>
-              <a:t>concat</a:t>
-            </a:r>
-            <a:r>
-              <a:rPr lang="en-US" sz="1400" dirty="0"/>
-              <a:t>(name, ' City')</a:t>
+              <a:rPr lang="es-MX" dirty="0"/>
+              <a:t>&lt;</a:t>
+            </a:r>
+            <a:r>
+              <a:rPr lang="es-MX" dirty="0" err="1"/>
+              <a:t>Attributo</a:t>
+            </a:r>
+            <a:r>
+              <a:rPr lang="es-MX" dirty="0"/>
+              <a:t>&gt; LIKE &lt;</a:t>
+            </a:r>
+            <a:r>
+              <a:rPr lang="es-MX" dirty="0" err="1"/>
+              <a:t>Patron</a:t>
+            </a:r>
+            <a:r>
+              <a:rPr lang="es-MX" dirty="0"/>
+              <a:t>&gt; o</a:t>
             </a:r>
           </a:p>
           <a:p>
             <a:pPr lvl="1"/>
             <a:r>
-              <a:rPr lang="en-US" sz="1400" dirty="0"/>
-              <a:t>FROM world</a:t>
-            </a:r>
-          </a:p>
-          <a:p>
-            <a:pPr lvl="1"/>
-            <a:r>
-              <a:rPr lang="en-US" sz="1400" dirty="0"/>
-              <a:t>WHERE capital LIKE </a:t>
-            </a:r>
-            <a:r>
-              <a:rPr lang="en-US" sz="1400" dirty="0" err="1"/>
-              <a:t>concat</a:t>
-            </a:r>
-            <a:r>
-              <a:rPr lang="en-US" sz="1400" dirty="0"/>
-              <a:t>(name, ' City')</a:t>
-            </a:r>
-          </a:p>
-          <a:p>
-            <a:r>
-              <a:rPr lang="en-US" sz="1400" dirty="0"/>
-              <a:t>SELECT capital, name</a:t>
-            </a:r>
-          </a:p>
-          <a:p>
-            <a:pPr lvl="1"/>
-            <a:r>
-              <a:rPr lang="en-US" sz="1400" dirty="0"/>
-              <a:t>FROM world</a:t>
-            </a:r>
-          </a:p>
-          <a:p>
-            <a:pPr lvl="2"/>
-            <a:r>
-              <a:rPr lang="en-US" sz="1400" dirty="0"/>
-              <a:t>WHERE capital LIKE </a:t>
-            </a:r>
-            <a:r>
-              <a:rPr lang="en-US" sz="1400" dirty="0" err="1"/>
-              <a:t>concat</a:t>
-            </a:r>
-            <a:r>
-              <a:rPr lang="en-US" sz="1400" dirty="0"/>
-              <a:t>('%',name,'%')</a:t>
-            </a:r>
-            <a:endParaRPr lang="es-MX" sz="1400" dirty="0"/>
+              <a:rPr lang="es-MX" dirty="0"/>
+              <a:t>&lt;</a:t>
+            </a:r>
+            <a:r>
+              <a:rPr lang="es-MX" dirty="0" err="1"/>
+              <a:t>Attributo</a:t>
+            </a:r>
+            <a:r>
+              <a:rPr lang="es-MX" dirty="0"/>
+              <a:t>&gt; NOT LIKE &lt;</a:t>
+            </a:r>
+            <a:r>
+              <a:rPr lang="es-MX" dirty="0" err="1"/>
+              <a:t>Patron</a:t>
+            </a:r>
+            <a:r>
+              <a:rPr lang="es-MX" dirty="0"/>
+              <a:t>&gt;</a:t>
+            </a:r>
+          </a:p>
+          <a:p>
+            <a:r>
+              <a:rPr lang="es-MX" dirty="0" err="1"/>
+              <a:t>Patron</a:t>
+            </a:r>
+            <a:r>
+              <a:rPr lang="es-MX" dirty="0"/>
+              <a:t> es un </a:t>
+            </a:r>
+            <a:r>
+              <a:rPr lang="es-MX" dirty="0" err="1"/>
+              <a:t>string</a:t>
+            </a:r>
+            <a:r>
+              <a:rPr lang="es-MX" dirty="0"/>
+              <a:t>.</a:t>
+            </a:r>
           </a:p>
         </p:txBody>
       </p:sp>
@@ -5202,7 +5205,7 @@
     </p:spTree>
     <p:extLst>
       <p:ext uri="{BB962C8B-B14F-4D97-AF65-F5344CB8AC3E}">
-        <p14:creationId xmlns:p14="http://schemas.microsoft.com/office/powerpoint/2010/main" val="2140549263"/>
+        <p14:creationId xmlns:p14="http://schemas.microsoft.com/office/powerpoint/2010/main" val="2448771727"/>
       </p:ext>
     </p:extLst>
   </p:cSld>
@@ -5213,6 +5216,557 @@
 </file>
 
 <file path=ppt/slides/slide11.xml><?xml version="1.0" encoding="utf-8"?>
+<p:sld xmlns:a="http://schemas.openxmlformats.org/drawingml/2006/main" xmlns:r="http://schemas.openxmlformats.org/officeDocument/2006/relationships" xmlns:p="http://schemas.openxmlformats.org/presentationml/2006/main">
+  <p:cSld>
+    <p:spTree>
+      <p:nvGrpSpPr>
+        <p:cNvPr id="1" name=""/>
+        <p:cNvGrpSpPr/>
+        <p:nvPr/>
+      </p:nvGrpSpPr>
+      <p:grpSpPr>
+        <a:xfrm>
+          <a:off x="0" y="0"/>
+          <a:ext cx="0" cy="0"/>
+          <a:chOff x="0" y="0"/>
+          <a:chExt cx="0" cy="0"/>
+        </a:xfrm>
+      </p:grpSpPr>
+      <p:sp>
+        <p:nvSpPr>
+          <p:cNvPr id="5" name="Title 4">
+            <a:extLst>
+              <a:ext uri="{FF2B5EF4-FFF2-40B4-BE49-F238E27FC236}">
+                <a16:creationId xmlns:a16="http://schemas.microsoft.com/office/drawing/2014/main" id="{438259FB-6953-421A-BDFF-42AA466EAD4C}"/>
+              </a:ext>
+            </a:extLst>
+          </p:cNvPr>
+          <p:cNvSpPr>
+            <a:spLocks noGrp="1"/>
+          </p:cNvSpPr>
+          <p:nvPr>
+            <p:ph type="title"/>
+          </p:nvPr>
+        </p:nvSpPr>
+        <p:spPr/>
+        <p:txBody>
+          <a:bodyPr/>
+          <a:lstStyle/>
+          <a:p>
+            <a:r>
+              <a:rPr lang="en-US" dirty="0" err="1"/>
+              <a:t>Creaci</a:t>
+            </a:r>
+            <a:r>
+              <a:rPr lang="es-MX" dirty="0" err="1"/>
+              <a:t>ón</a:t>
+            </a:r>
+            <a:r>
+              <a:rPr lang="es-MX" dirty="0"/>
+              <a:t> de Tablas</a:t>
+            </a:r>
+            <a:endParaRPr lang="en-US" dirty="0"/>
+          </a:p>
+        </p:txBody>
+      </p:sp>
+      <p:sp>
+        <p:nvSpPr>
+          <p:cNvPr id="4" name="Slide Number Placeholder 3">
+            <a:extLst>
+              <a:ext uri="{FF2B5EF4-FFF2-40B4-BE49-F238E27FC236}">
+                <a16:creationId xmlns:a16="http://schemas.microsoft.com/office/drawing/2014/main" id="{20BCA342-5144-4E89-B70C-3065D929F451}"/>
+              </a:ext>
+            </a:extLst>
+          </p:cNvPr>
+          <p:cNvSpPr>
+            <a:spLocks noGrp="1"/>
+          </p:cNvSpPr>
+          <p:nvPr>
+            <p:ph type="sldNum" idx="12"/>
+          </p:nvPr>
+        </p:nvSpPr>
+        <p:spPr/>
+        <p:txBody>
+          <a:bodyPr/>
+          <a:lstStyle/>
+          <a:p>
+            <a:pPr marL="0" lvl="0" indent="0">
+              <a:spcBef>
+                <a:spcPts val="0"/>
+              </a:spcBef>
+              <a:spcAft>
+                <a:spcPts val="0"/>
+              </a:spcAft>
+              <a:buNone/>
+            </a:pPr>
+            <a:fld id="{00000000-1234-1234-1234-123412341234}" type="slidenum">
+              <a:rPr lang="en" smtClean="0"/>
+              <a:t>11</a:t>
+            </a:fld>
+            <a:endParaRPr lang="en"/>
+          </a:p>
+        </p:txBody>
+      </p:sp>
+      <p:sp>
+        <p:nvSpPr>
+          <p:cNvPr id="8" name="TextBox 7">
+            <a:extLst>
+              <a:ext uri="{FF2B5EF4-FFF2-40B4-BE49-F238E27FC236}">
+                <a16:creationId xmlns:a16="http://schemas.microsoft.com/office/drawing/2014/main" id="{05127781-DE9E-4B9F-B526-24D481C2F7DC}"/>
+              </a:ext>
+            </a:extLst>
+          </p:cNvPr>
+          <p:cNvSpPr txBox="1"/>
+          <p:nvPr/>
+        </p:nvSpPr>
+        <p:spPr>
+          <a:xfrm>
+            <a:off x="992368" y="1559432"/>
+            <a:ext cx="4574186" cy="1815882"/>
+          </a:xfrm>
+          <a:prstGeom prst="rect">
+            <a:avLst/>
+          </a:prstGeom>
+          <a:noFill/>
+        </p:spPr>
+        <p:txBody>
+          <a:bodyPr wrap="square">
+            <a:spAutoFit/>
+          </a:bodyPr>
+          <a:lstStyle/>
+          <a:p>
+            <a:r>
+              <a:rPr lang="en-US" dirty="0"/>
+              <a:t>CREATE TABLE [</a:t>
+            </a:r>
+            <a:r>
+              <a:rPr lang="en-US" dirty="0" err="1"/>
+              <a:t>database_name</a:t>
+            </a:r>
+            <a:r>
+              <a:rPr lang="en-US" dirty="0"/>
+              <a:t>.][</a:t>
+            </a:r>
+            <a:r>
+              <a:rPr lang="en-US" dirty="0" err="1"/>
+              <a:t>schema_name</a:t>
+            </a:r>
+            <a:r>
+              <a:rPr lang="en-US" dirty="0"/>
+              <a:t>.]</a:t>
+            </a:r>
+            <a:r>
+              <a:rPr lang="en-US" dirty="0" err="1"/>
+              <a:t>table_name</a:t>
+            </a:r>
+            <a:r>
+              <a:rPr lang="en-US" dirty="0"/>
+              <a:t> (</a:t>
+            </a:r>
+          </a:p>
+          <a:p>
+            <a:r>
+              <a:rPr lang="en-US" dirty="0"/>
+              <a:t>    </a:t>
+            </a:r>
+            <a:r>
+              <a:rPr lang="en-US" dirty="0" err="1"/>
+              <a:t>pk_column</a:t>
+            </a:r>
+            <a:r>
+              <a:rPr lang="en-US" dirty="0"/>
+              <a:t> </a:t>
+            </a:r>
+            <a:r>
+              <a:rPr lang="en-US" dirty="0" err="1"/>
+              <a:t>data_type</a:t>
+            </a:r>
+            <a:r>
+              <a:rPr lang="en-US" dirty="0"/>
+              <a:t> PRIMARY KEY,</a:t>
+            </a:r>
+          </a:p>
+          <a:p>
+            <a:r>
+              <a:rPr lang="en-US" dirty="0"/>
+              <a:t>    column_1 </a:t>
+            </a:r>
+            <a:r>
+              <a:rPr lang="en-US" dirty="0" err="1"/>
+              <a:t>data_type</a:t>
+            </a:r>
+            <a:r>
+              <a:rPr lang="en-US" dirty="0"/>
+              <a:t> NOT NULL,</a:t>
+            </a:r>
+          </a:p>
+          <a:p>
+            <a:r>
+              <a:rPr lang="en-US" dirty="0"/>
+              <a:t>    column_2 </a:t>
+            </a:r>
+            <a:r>
+              <a:rPr lang="en-US" dirty="0" err="1"/>
+              <a:t>data_type</a:t>
+            </a:r>
+            <a:r>
+              <a:rPr lang="en-US" dirty="0"/>
+              <a:t>,</a:t>
+            </a:r>
+          </a:p>
+          <a:p>
+            <a:r>
+              <a:rPr lang="en-US" dirty="0"/>
+              <a:t>    ...,</a:t>
+            </a:r>
+          </a:p>
+          <a:p>
+            <a:r>
+              <a:rPr lang="en-US" dirty="0"/>
+              <a:t>    </a:t>
+            </a:r>
+            <a:r>
+              <a:rPr lang="en-US" dirty="0" err="1"/>
+              <a:t>table_constraints</a:t>
+            </a:r>
+            <a:endParaRPr lang="en-US" dirty="0"/>
+          </a:p>
+          <a:p>
+            <a:r>
+              <a:rPr lang="en-US" dirty="0"/>
+              <a:t>);</a:t>
+            </a:r>
+          </a:p>
+        </p:txBody>
+      </p:sp>
+      <p:sp>
+        <p:nvSpPr>
+          <p:cNvPr id="10" name="TextBox 9">
+            <a:extLst>
+              <a:ext uri="{FF2B5EF4-FFF2-40B4-BE49-F238E27FC236}">
+                <a16:creationId xmlns:a16="http://schemas.microsoft.com/office/drawing/2014/main" id="{C1CCA3FB-AA9E-4E37-9F90-5C44A5BF8BC1}"/>
+              </a:ext>
+            </a:extLst>
+          </p:cNvPr>
+          <p:cNvSpPr txBox="1"/>
+          <p:nvPr/>
+        </p:nvSpPr>
+        <p:spPr>
+          <a:xfrm>
+            <a:off x="947780" y="3465791"/>
+            <a:ext cx="4574022" cy="954107"/>
+          </a:xfrm>
+          <a:prstGeom prst="rect">
+            <a:avLst/>
+          </a:prstGeom>
+          <a:noFill/>
+        </p:spPr>
+        <p:txBody>
+          <a:bodyPr wrap="square">
+            <a:spAutoFit/>
+          </a:bodyPr>
+          <a:lstStyle/>
+          <a:p>
+            <a:r>
+              <a:rPr lang="en-US" dirty="0"/>
+              <a:t>CREATE TABLE ForgeRock</a:t>
+            </a:r>
+          </a:p>
+          <a:p>
+            <a:r>
+              <a:rPr lang="en-US" dirty="0"/>
+              <a:t>    ([</a:t>
+            </a:r>
+            <a:r>
+              <a:rPr lang="en-US" dirty="0" err="1"/>
+              <a:t>productName</a:t>
+            </a:r>
+            <a:r>
+              <a:rPr lang="en-US" dirty="0"/>
+              <a:t>] varchar(13), [description] varchar(57))</a:t>
+            </a:r>
+          </a:p>
+          <a:p>
+            <a:r>
+              <a:rPr lang="en-US" dirty="0"/>
+              <a:t>;</a:t>
+            </a:r>
+          </a:p>
+        </p:txBody>
+      </p:sp>
+    </p:spTree>
+    <p:extLst>
+      <p:ext uri="{BB962C8B-B14F-4D97-AF65-F5344CB8AC3E}">
+        <p14:creationId xmlns:p14="http://schemas.microsoft.com/office/powerpoint/2010/main" val="46435999"/>
+      </p:ext>
+    </p:extLst>
+  </p:cSld>
+  <p:clrMapOvr>
+    <a:masterClrMapping/>
+  </p:clrMapOvr>
+</p:sld>
+</file>
+
+<file path=ppt/slides/slide12.xml><?xml version="1.0" encoding="utf-8"?>
+<p:sld xmlns:a="http://schemas.openxmlformats.org/drawingml/2006/main" xmlns:r="http://schemas.openxmlformats.org/officeDocument/2006/relationships" xmlns:p="http://schemas.openxmlformats.org/presentationml/2006/main">
+  <p:cSld>
+    <p:spTree>
+      <p:nvGrpSpPr>
+        <p:cNvPr id="1" name=""/>
+        <p:cNvGrpSpPr/>
+        <p:nvPr/>
+      </p:nvGrpSpPr>
+      <p:grpSpPr>
+        <a:xfrm>
+          <a:off x="0" y="0"/>
+          <a:ext cx="0" cy="0"/>
+          <a:chOff x="0" y="0"/>
+          <a:chExt cx="0" cy="0"/>
+        </a:xfrm>
+      </p:grpSpPr>
+      <p:sp>
+        <p:nvSpPr>
+          <p:cNvPr id="2" name="Title 1">
+            <a:extLst>
+              <a:ext uri="{FF2B5EF4-FFF2-40B4-BE49-F238E27FC236}">
+                <a16:creationId xmlns:a16="http://schemas.microsoft.com/office/drawing/2014/main" id="{792570C0-E93D-4641-AF5F-DACB983D2C47}"/>
+              </a:ext>
+            </a:extLst>
+          </p:cNvPr>
+          <p:cNvSpPr>
+            <a:spLocks noGrp="1"/>
+          </p:cNvSpPr>
+          <p:nvPr>
+            <p:ph type="title"/>
+          </p:nvPr>
+        </p:nvSpPr>
+        <p:spPr/>
+        <p:txBody>
+          <a:bodyPr/>
+          <a:lstStyle/>
+          <a:p>
+            <a:endParaRPr lang="en-US"/>
+          </a:p>
+        </p:txBody>
+      </p:sp>
+      <p:sp>
+        <p:nvSpPr>
+          <p:cNvPr id="4" name="Slide Number Placeholder 3">
+            <a:extLst>
+              <a:ext uri="{FF2B5EF4-FFF2-40B4-BE49-F238E27FC236}">
+                <a16:creationId xmlns:a16="http://schemas.microsoft.com/office/drawing/2014/main" id="{DC87D621-69B0-4AEA-886B-B6A5E8C153D3}"/>
+              </a:ext>
+            </a:extLst>
+          </p:cNvPr>
+          <p:cNvSpPr>
+            <a:spLocks noGrp="1"/>
+          </p:cNvSpPr>
+          <p:nvPr>
+            <p:ph type="sldNum" idx="12"/>
+          </p:nvPr>
+        </p:nvSpPr>
+        <p:spPr/>
+        <p:txBody>
+          <a:bodyPr/>
+          <a:lstStyle/>
+          <a:p>
+            <a:pPr marL="0" lvl="0" indent="0">
+              <a:spcBef>
+                <a:spcPts val="0"/>
+              </a:spcBef>
+              <a:spcAft>
+                <a:spcPts val="0"/>
+              </a:spcAft>
+              <a:buNone/>
+            </a:pPr>
+            <a:fld id="{00000000-1234-1234-1234-123412341234}" type="slidenum">
+              <a:rPr lang="en" smtClean="0"/>
+              <a:t>12</a:t>
+            </a:fld>
+            <a:endParaRPr lang="en"/>
+          </a:p>
+        </p:txBody>
+      </p:sp>
+      <p:sp>
+        <p:nvSpPr>
+          <p:cNvPr id="8" name="TextBox 7">
+            <a:extLst>
+              <a:ext uri="{FF2B5EF4-FFF2-40B4-BE49-F238E27FC236}">
+                <a16:creationId xmlns:a16="http://schemas.microsoft.com/office/drawing/2014/main" id="{D42C31A8-050F-43D1-AD35-281D872105B6}"/>
+              </a:ext>
+            </a:extLst>
+          </p:cNvPr>
+          <p:cNvSpPr txBox="1"/>
+          <p:nvPr/>
+        </p:nvSpPr>
+        <p:spPr>
+          <a:xfrm>
+            <a:off x="864816" y="1708298"/>
+            <a:ext cx="4574022" cy="738664"/>
+          </a:xfrm>
+          <a:prstGeom prst="rect">
+            <a:avLst/>
+          </a:prstGeom>
+          <a:noFill/>
+        </p:spPr>
+        <p:txBody>
+          <a:bodyPr wrap="square">
+            <a:spAutoFit/>
+          </a:bodyPr>
+          <a:lstStyle/>
+          <a:p>
+            <a:r>
+              <a:rPr lang="en-US" dirty="0"/>
+              <a:t>INSERT  [ TOP ( expression ) [ PERCENT ] ] </a:t>
+            </a:r>
+          </a:p>
+          <a:p>
+            <a:r>
+              <a:rPr lang="en-US" dirty="0"/>
+              <a:t>INTO </a:t>
+            </a:r>
+            <a:r>
+              <a:rPr lang="en-US" dirty="0" err="1"/>
+              <a:t>target_table</a:t>
+            </a:r>
+            <a:r>
+              <a:rPr lang="en-US" dirty="0"/>
+              <a:t> (</a:t>
+            </a:r>
+            <a:r>
+              <a:rPr lang="en-US" dirty="0" err="1"/>
+              <a:t>column_list</a:t>
+            </a:r>
+            <a:r>
+              <a:rPr lang="en-US" dirty="0"/>
+              <a:t>)</a:t>
+            </a:r>
+          </a:p>
+          <a:p>
+            <a:r>
+              <a:rPr lang="en-US" dirty="0"/>
+              <a:t>query</a:t>
+            </a:r>
+          </a:p>
+        </p:txBody>
+      </p:sp>
+      <p:sp>
+        <p:nvSpPr>
+          <p:cNvPr id="10" name="TextBox 9">
+            <a:extLst>
+              <a:ext uri="{FF2B5EF4-FFF2-40B4-BE49-F238E27FC236}">
+                <a16:creationId xmlns:a16="http://schemas.microsoft.com/office/drawing/2014/main" id="{FE8F55A6-D923-4542-9961-2772BC23041C}"/>
+              </a:ext>
+            </a:extLst>
+          </p:cNvPr>
+          <p:cNvSpPr txBox="1"/>
+          <p:nvPr/>
+        </p:nvSpPr>
+        <p:spPr>
+          <a:xfrm>
+            <a:off x="814275" y="2622209"/>
+            <a:ext cx="4574022" cy="1815882"/>
+          </a:xfrm>
+          <a:prstGeom prst="rect">
+            <a:avLst/>
+          </a:prstGeom>
+          <a:noFill/>
+        </p:spPr>
+        <p:txBody>
+          <a:bodyPr wrap="square">
+            <a:spAutoFit/>
+          </a:bodyPr>
+          <a:lstStyle/>
+          <a:p>
+            <a:r>
+              <a:rPr lang="en-US" dirty="0"/>
+              <a:t>INSERT INTO ForgeRock</a:t>
+            </a:r>
+          </a:p>
+          <a:p>
+            <a:r>
+              <a:rPr lang="en-US" dirty="0"/>
+              <a:t>    ([</a:t>
+            </a:r>
+            <a:r>
+              <a:rPr lang="en-US" dirty="0" err="1"/>
+              <a:t>productName</a:t>
+            </a:r>
+            <a:r>
+              <a:rPr lang="en-US" dirty="0"/>
+              <a:t>], [description])</a:t>
+            </a:r>
+          </a:p>
+          <a:p>
+            <a:r>
+              <a:rPr lang="en-US" dirty="0"/>
+              <a:t>VALUES</a:t>
+            </a:r>
+          </a:p>
+          <a:p>
+            <a:r>
+              <a:rPr lang="en-US" dirty="0"/>
+              <a:t>    ('</a:t>
+            </a:r>
+            <a:r>
+              <a:rPr lang="en-US" dirty="0" err="1"/>
+              <a:t>OpenIDM</a:t>
+            </a:r>
+            <a:r>
+              <a:rPr lang="en-US" dirty="0"/>
+              <a:t>', 'Platform for building enterprise provisioning solutions'),</a:t>
+            </a:r>
+          </a:p>
+          <a:p>
+            <a:r>
+              <a:rPr lang="en-US" dirty="0"/>
+              <a:t>    ('</a:t>
+            </a:r>
+            <a:r>
+              <a:rPr lang="en-US" dirty="0" err="1"/>
+              <a:t>OpenAM</a:t>
+            </a:r>
+            <a:r>
+              <a:rPr lang="en-US" dirty="0"/>
+              <a:t>', 'Full-featured access management'),</a:t>
+            </a:r>
+          </a:p>
+          <a:p>
+            <a:r>
+              <a:rPr lang="en-US" dirty="0"/>
+              <a:t>    ('</a:t>
+            </a:r>
+            <a:r>
+              <a:rPr lang="en-US" dirty="0" err="1"/>
+              <a:t>OpenDJ</a:t>
+            </a:r>
+            <a:r>
+              <a:rPr lang="en-US" dirty="0"/>
+              <a:t>', 'Robust LDAP server for Java')</a:t>
+            </a:r>
+          </a:p>
+          <a:p>
+            <a:r>
+              <a:rPr lang="en-US" dirty="0"/>
+              <a:t>;</a:t>
+            </a:r>
+          </a:p>
+        </p:txBody>
+      </p:sp>
+    </p:spTree>
+    <p:extLst>
+      <p:ext uri="{BB962C8B-B14F-4D97-AF65-F5344CB8AC3E}">
+        <p14:creationId xmlns:p14="http://schemas.microsoft.com/office/powerpoint/2010/main" val="3423840235"/>
+      </p:ext>
+    </p:extLst>
+  </p:cSld>
+  <p:clrMapOvr>
+    <a:masterClrMapping/>
+  </p:clrMapOvr>
+</p:sld>
+</file>
+
+<file path=ppt/slides/slide13.xml><?xml version="1.0" encoding="utf-8"?>
 <p:sld xmlns:a="http://schemas.openxmlformats.org/drawingml/2006/main" xmlns:r="http://schemas.openxmlformats.org/officeDocument/2006/relationships" xmlns:p="http://schemas.openxmlformats.org/presentationml/2006/main">
   <p:cSld>
     <p:spTree>
@@ -5246,13 +5800,8 @@
           <a:p>
             <a:r>
               <a:rPr lang="es-MX" dirty="0"/>
-              <a:t>Mas usos de </a:t>
-            </a:r>
-            <a:r>
-              <a:rPr lang="es-MX" dirty="0" err="1"/>
-              <a:t>select</a:t>
-            </a:r>
-            <a:endParaRPr lang="es-MX" dirty="0"/>
+              <a:t>Rangos de datos</a:t>
+            </a:r>
           </a:p>
         </p:txBody>
       </p:sp>
@@ -5272,58 +5821,81 @@
           <a:lstStyle/>
           <a:p>
             <a:r>
-              <a:rPr lang="en-US" dirty="0"/>
+              <a:rPr lang="en-US" sz="1400" dirty="0"/>
+              <a:t>SELECT x, y FROM table</a:t>
+            </a:r>
+          </a:p>
+          <a:p>
+            <a:pPr lvl="1"/>
+            <a:r>
+              <a:rPr lang="en-US" sz="1400" dirty="0"/>
+              <a:t>WHERE data BETWEEN x AND y</a:t>
+            </a:r>
+          </a:p>
+          <a:p>
+            <a:r>
+              <a:rPr lang="en-US" sz="1400" dirty="0"/>
               <a:t>SELECT name, </a:t>
             </a:r>
             <a:r>
-              <a:rPr lang="en-US" dirty="0" err="1"/>
-              <a:t>gdp</a:t>
-            </a:r>
-            <a:r>
-              <a:rPr lang="en-US" dirty="0"/>
-              <a:t>/population FROM world</a:t>
+              <a:rPr lang="en-US" sz="1400" dirty="0" err="1"/>
+              <a:t>concat</a:t>
+            </a:r>
+            <a:r>
+              <a:rPr lang="en-US" sz="1400" dirty="0"/>
+              <a:t>(name, ' City')</a:t>
             </a:r>
           </a:p>
           <a:p>
             <a:pPr lvl="1"/>
             <a:r>
-              <a:rPr lang="en-US" dirty="0"/>
-              <a:t>WHERE population &gt; 200000000</a:t>
-            </a:r>
-          </a:p>
-          <a:p>
-            <a:r>
-              <a:rPr lang="en-US" dirty="0"/>
-              <a:t>SELECT * FROM </a:t>
-            </a:r>
-            <a:r>
-              <a:rPr lang="en-US" dirty="0" err="1"/>
-              <a:t>nobel</a:t>
-            </a:r>
-            <a:endParaRPr lang="en-US" dirty="0"/>
+              <a:rPr lang="en-US" sz="1400" dirty="0"/>
+              <a:t>FROM world</a:t>
+            </a:r>
           </a:p>
           <a:p>
             <a:pPr lvl="1"/>
             <a:r>
-              <a:rPr lang="en-US" dirty="0"/>
-              <a:t>WHERE </a:t>
-            </a:r>
-            <a:r>
-              <a:rPr lang="en-US" dirty="0" err="1"/>
-              <a:t>yr</a:t>
-            </a:r>
-            <a:r>
-              <a:rPr lang="en-US" dirty="0"/>
-              <a:t> = 1970</a:t>
+              <a:rPr lang="en-US" sz="1400" dirty="0"/>
+              <a:t>WHERE capital LIKE </a:t>
+            </a:r>
+            <a:r>
+              <a:rPr lang="en-US" sz="1400" dirty="0" err="1"/>
+              <a:t>concat</a:t>
+            </a:r>
+            <a:r>
+              <a:rPr lang="en-US" sz="1400" dirty="0"/>
+              <a:t>(name, ' City')</a:t>
+            </a:r>
+          </a:p>
+          <a:p>
+            <a:r>
+              <a:rPr lang="en-US" sz="1400" dirty="0"/>
+              <a:t>SELECT capital, name</a:t>
             </a:r>
           </a:p>
           <a:p>
             <a:pPr lvl="1"/>
             <a:r>
-              <a:rPr lang="en-US" dirty="0"/>
-              <a:t>AND subject IN ('Cookery', 'Chemistry', 'Literature')</a:t>
-            </a:r>
-            <a:endParaRPr lang="es-MX" dirty="0"/>
+              <a:rPr lang="en-US" sz="1400" dirty="0"/>
+              <a:t>FROM world</a:t>
+            </a:r>
+          </a:p>
+          <a:p>
+            <a:pPr lvl="2"/>
+            <a:r>
+              <a:rPr lang="en-US" sz="1400" dirty="0"/>
+              <a:t>WHERE capital LIKE </a:t>
+            </a:r>
+            <a:r>
+              <a:rPr lang="en-US" sz="1400" dirty="0" err="1"/>
+              <a:t>concat</a:t>
+            </a:r>
+            <a:r>
+              <a:rPr lang="en-US" sz="1400" dirty="0"/>
+              <a:t>('%',name,'%')</a:t>
+            </a:r>
+            <a:endParaRPr lang="es-MX" sz="1400" dirty="0"/>
           </a:p>
         </p:txBody>
       </p:sp>
@@ -5353,7 +5925,7 @@
             </a:pPr>
             <a:fld id="{00000000-1234-1234-1234-123412341234}" type="slidenum">
               <a:rPr lang="es-MX" smtClean="0"/>
-              <a:t>11</a:t>
+              <a:t>13</a:t>
             </a:fld>
             <a:endParaRPr lang="es-MX"/>
           </a:p>
@@ -5362,7 +5934,7 @@
     </p:spTree>
     <p:extLst>
       <p:ext uri="{BB962C8B-B14F-4D97-AF65-F5344CB8AC3E}">
-        <p14:creationId xmlns:p14="http://schemas.microsoft.com/office/powerpoint/2010/main" val="4041698483"/>
+        <p14:creationId xmlns:p14="http://schemas.microsoft.com/office/powerpoint/2010/main" val="2140549263"/>
       </p:ext>
     </p:extLst>
   </p:cSld>
@@ -5372,7 +5944,7 @@
 </p:sld>
 </file>
 
-<file path=ppt/slides/slide12.xml><?xml version="1.0" encoding="utf-8"?>
+<file path=ppt/slides/slide14.xml><?xml version="1.0" encoding="utf-8"?>
 <p:sld xmlns:a="http://schemas.openxmlformats.org/drawingml/2006/main" xmlns:r="http://schemas.openxmlformats.org/officeDocument/2006/relationships" xmlns:p="http://schemas.openxmlformats.org/presentationml/2006/main">
   <p:cSld>
     <p:spTree>
@@ -5405,12 +5977,8 @@
           <a:lstStyle/>
           <a:p>
             <a:r>
-              <a:rPr lang="es-MX" dirty="0" err="1"/>
-              <a:t>Select</a:t>
-            </a:r>
-            <a:r>
               <a:rPr lang="es-MX" dirty="0"/>
-              <a:t> dentro de </a:t>
+              <a:t>Mas usos de </a:t>
             </a:r>
             <a:r>
               <a:rPr lang="es-MX" dirty="0" err="1"/>
@@ -5437,28 +6005,55 @@
           <a:p>
             <a:r>
               <a:rPr lang="en-US" dirty="0"/>
-              <a:t>SELECT name FROM world</a:t>
+              <a:t>SELECT name, </a:t>
+            </a:r>
+            <a:r>
+              <a:rPr lang="en-US" dirty="0" err="1"/>
+              <a:t>gdp</a:t>
+            </a:r>
+            <a:r>
+              <a:rPr lang="en-US" dirty="0"/>
+              <a:t>/population FROM world</a:t>
             </a:r>
           </a:p>
           <a:p>
             <a:pPr lvl="1"/>
             <a:r>
               <a:rPr lang="en-US" dirty="0"/>
-              <a:t>WHERE population &gt;</a:t>
-            </a:r>
-          </a:p>
-          <a:p>
-            <a:pPr lvl="2"/>
+              <a:t>WHERE population &gt; 200000000</a:t>
+            </a:r>
+          </a:p>
+          <a:p>
             <a:r>
               <a:rPr lang="en-US" dirty="0"/>
-              <a:t>(SELECT population FROM world</a:t>
-            </a:r>
-          </a:p>
-          <a:p>
-            <a:pPr lvl="2"/>
+              <a:t>SELECT * FROM </a:t>
+            </a:r>
+            <a:r>
+              <a:rPr lang="en-US" dirty="0" err="1"/>
+              <a:t>nobel</a:t>
+            </a:r>
+            <a:endParaRPr lang="en-US" dirty="0"/>
+          </a:p>
+          <a:p>
+            <a:pPr lvl="1"/>
             <a:r>
               <a:rPr lang="en-US" dirty="0"/>
-              <a:t>WHERE name='Romania')</a:t>
+              <a:t>WHERE </a:t>
+            </a:r>
+            <a:r>
+              <a:rPr lang="en-US" dirty="0" err="1"/>
+              <a:t>yr</a:t>
+            </a:r>
+            <a:r>
+              <a:rPr lang="en-US" dirty="0"/>
+              <a:t> = 1970</a:t>
+            </a:r>
+          </a:p>
+          <a:p>
+            <a:pPr lvl="1"/>
+            <a:r>
+              <a:rPr lang="en-US" dirty="0"/>
+              <a:t>AND subject IN ('Cookery', 'Chemistry', 'Literature')</a:t>
             </a:r>
             <a:endParaRPr lang="es-MX" dirty="0"/>
           </a:p>
@@ -5490,7 +6085,144 @@
             </a:pPr>
             <a:fld id="{00000000-1234-1234-1234-123412341234}" type="slidenum">
               <a:rPr lang="es-MX" smtClean="0"/>
-              <a:t>12</a:t>
+              <a:t>14</a:t>
+            </a:fld>
+            <a:endParaRPr lang="es-MX"/>
+          </a:p>
+        </p:txBody>
+      </p:sp>
+    </p:spTree>
+    <p:extLst>
+      <p:ext uri="{BB962C8B-B14F-4D97-AF65-F5344CB8AC3E}">
+        <p14:creationId xmlns:p14="http://schemas.microsoft.com/office/powerpoint/2010/main" val="4041698483"/>
+      </p:ext>
+    </p:extLst>
+  </p:cSld>
+  <p:clrMapOvr>
+    <a:masterClrMapping/>
+  </p:clrMapOvr>
+</p:sld>
+</file>
+
+<file path=ppt/slides/slide15.xml><?xml version="1.0" encoding="utf-8"?>
+<p:sld xmlns:a="http://schemas.openxmlformats.org/drawingml/2006/main" xmlns:r="http://schemas.openxmlformats.org/officeDocument/2006/relationships" xmlns:p="http://schemas.openxmlformats.org/presentationml/2006/main">
+  <p:cSld>
+    <p:spTree>
+      <p:nvGrpSpPr>
+        <p:cNvPr id="1" name=""/>
+        <p:cNvGrpSpPr/>
+        <p:nvPr/>
+      </p:nvGrpSpPr>
+      <p:grpSpPr>
+        <a:xfrm>
+          <a:off x="0" y="0"/>
+          <a:ext cx="0" cy="0"/>
+          <a:chOff x="0" y="0"/>
+          <a:chExt cx="0" cy="0"/>
+        </a:xfrm>
+      </p:grpSpPr>
+      <p:sp>
+        <p:nvSpPr>
+          <p:cNvPr id="2" name="Título 1"/>
+          <p:cNvSpPr>
+            <a:spLocks noGrp="1"/>
+          </p:cNvSpPr>
+          <p:nvPr>
+            <p:ph type="title"/>
+          </p:nvPr>
+        </p:nvSpPr>
+        <p:spPr/>
+        <p:txBody>
+          <a:bodyPr/>
+          <a:lstStyle/>
+          <a:p>
+            <a:r>
+              <a:rPr lang="es-MX" dirty="0" err="1"/>
+              <a:t>Select</a:t>
+            </a:r>
+            <a:r>
+              <a:rPr lang="es-MX" dirty="0"/>
+              <a:t> dentro de </a:t>
+            </a:r>
+            <a:r>
+              <a:rPr lang="es-MX" dirty="0" err="1"/>
+              <a:t>select</a:t>
+            </a:r>
+            <a:endParaRPr lang="es-MX" dirty="0"/>
+          </a:p>
+        </p:txBody>
+      </p:sp>
+      <p:sp>
+        <p:nvSpPr>
+          <p:cNvPr id="3" name="Marcador de texto 2"/>
+          <p:cNvSpPr>
+            <a:spLocks noGrp="1"/>
+          </p:cNvSpPr>
+          <p:nvPr>
+            <p:ph type="body" idx="1"/>
+          </p:nvPr>
+        </p:nvSpPr>
+        <p:spPr/>
+        <p:txBody>
+          <a:bodyPr/>
+          <a:lstStyle/>
+          <a:p>
+            <a:r>
+              <a:rPr lang="en-US" dirty="0"/>
+              <a:t>SELECT name FROM world</a:t>
+            </a:r>
+          </a:p>
+          <a:p>
+            <a:pPr lvl="1"/>
+            <a:r>
+              <a:rPr lang="en-US" dirty="0"/>
+              <a:t>WHERE population &gt;</a:t>
+            </a:r>
+          </a:p>
+          <a:p>
+            <a:pPr lvl="2"/>
+            <a:r>
+              <a:rPr lang="en-US" dirty="0"/>
+              <a:t>(SELECT population FROM world</a:t>
+            </a:r>
+          </a:p>
+          <a:p>
+            <a:pPr lvl="2"/>
+            <a:r>
+              <a:rPr lang="en-US" dirty="0"/>
+              <a:t>WHERE name='Romania')</a:t>
+            </a:r>
+            <a:endParaRPr lang="es-MX" dirty="0"/>
+          </a:p>
+        </p:txBody>
+      </p:sp>
+      <p:sp>
+        <p:nvSpPr>
+          <p:cNvPr id="4" name="Marcador de número de diapositiva 3"/>
+          <p:cNvSpPr>
+            <a:spLocks noGrp="1"/>
+          </p:cNvSpPr>
+          <p:nvPr>
+            <p:ph type="sldNum" idx="12"/>
+          </p:nvPr>
+        </p:nvSpPr>
+        <p:spPr/>
+        <p:txBody>
+          <a:bodyPr/>
+          <a:lstStyle/>
+          <a:p>
+            <a:pPr marL="0" lvl="0" indent="0">
+              <a:spcBef>
+                <a:spcPts val="0"/>
+              </a:spcBef>
+              <a:spcAft>
+                <a:spcPts val="0"/>
+              </a:spcAft>
+              <a:buNone/>
+            </a:pPr>
+            <a:fld id="{00000000-1234-1234-1234-123412341234}" type="slidenum">
+              <a:rPr lang="es-MX" smtClean="0"/>
+              <a:t>15</a:t>
             </a:fld>
             <a:endParaRPr lang="es-MX"/>
           </a:p>
@@ -5509,7 +6241,7 @@
 </p:sld>
 </file>
 
-<file path=ppt/slides/slide13.xml><?xml version="1.0" encoding="utf-8"?>
+<file path=ppt/slides/slide16.xml><?xml version="1.0" encoding="utf-8"?>
 <p:sld xmlns:a="http://schemas.openxmlformats.org/drawingml/2006/main" xmlns:r="http://schemas.openxmlformats.org/officeDocument/2006/relationships" xmlns:p="http://schemas.openxmlformats.org/presentationml/2006/main">
   <p:cSld>
     <p:spTree>
@@ -5590,7 +6322,7 @@
             </a:pPr>
             <a:fld id="{00000000-1234-1234-1234-123412341234}" type="slidenum">
               <a:rPr lang="es-MX" smtClean="0"/>
-              <a:t>13</a:t>
+              <a:t>16</a:t>
             </a:fld>
             <a:endParaRPr lang="es-MX"/>
           </a:p>
@@ -6045,7 +6777,7 @@
           <a:p>
             <a:r>
               <a:rPr lang="es-MX" dirty="0"/>
-              <a:t>Clase pasada</a:t>
+              <a:t>SQL</a:t>
             </a:r>
           </a:p>
         </p:txBody>
@@ -6133,6 +6865,160 @@
       </p:grpSpPr>
       <p:sp>
         <p:nvSpPr>
+          <p:cNvPr id="2" name="Title 1">
+            <a:extLst>
+              <a:ext uri="{FF2B5EF4-FFF2-40B4-BE49-F238E27FC236}">
+                <a16:creationId xmlns:a16="http://schemas.microsoft.com/office/drawing/2014/main" id="{E3B6E631-8DCC-424A-911B-DABA50CF6F54}"/>
+              </a:ext>
+            </a:extLst>
+          </p:cNvPr>
+          <p:cNvSpPr>
+            <a:spLocks noGrp="1"/>
+          </p:cNvSpPr>
+          <p:nvPr>
+            <p:ph type="title"/>
+          </p:nvPr>
+        </p:nvSpPr>
+        <p:spPr/>
+        <p:txBody>
+          <a:bodyPr/>
+          <a:lstStyle/>
+          <a:p>
+            <a:r>
+              <a:rPr lang="es-MX" dirty="0"/>
+              <a:t>Manejo de una base de datos</a:t>
+            </a:r>
+            <a:endParaRPr lang="en-US" dirty="0"/>
+          </a:p>
+        </p:txBody>
+      </p:sp>
+      <p:sp>
+        <p:nvSpPr>
+          <p:cNvPr id="3" name="Text Placeholder 2">
+            <a:extLst>
+              <a:ext uri="{FF2B5EF4-FFF2-40B4-BE49-F238E27FC236}">
+                <a16:creationId xmlns:a16="http://schemas.microsoft.com/office/drawing/2014/main" id="{CCB8E4F0-D243-4C92-9891-A7F2C7AEFEB8}"/>
+              </a:ext>
+            </a:extLst>
+          </p:cNvPr>
+          <p:cNvSpPr>
+            <a:spLocks noGrp="1"/>
+          </p:cNvSpPr>
+          <p:nvPr>
+            <p:ph type="body" idx="1"/>
+          </p:nvPr>
+        </p:nvSpPr>
+        <p:spPr/>
+        <p:txBody>
+          <a:bodyPr/>
+          <a:lstStyle/>
+          <a:p>
+            <a:r>
+              <a:rPr lang="es-MX" dirty="0" err="1"/>
+              <a:t>Creacion</a:t>
+            </a:r>
+            <a:endParaRPr lang="es-MX" dirty="0"/>
+          </a:p>
+          <a:p>
+            <a:pPr lvl="1"/>
+            <a:r>
+              <a:rPr lang="es-MX" dirty="0"/>
+              <a:t>Crear esquema</a:t>
+            </a:r>
+          </a:p>
+          <a:p>
+            <a:pPr lvl="1"/>
+            <a:r>
+              <a:rPr lang="es-MX" dirty="0"/>
+              <a:t>Cargar Datos</a:t>
+            </a:r>
+          </a:p>
+          <a:p>
+            <a:r>
+              <a:rPr lang="es-MX" dirty="0"/>
+              <a:t>Consulta</a:t>
+            </a:r>
+          </a:p>
+          <a:p>
+            <a:pPr lvl="1"/>
+            <a:r>
+              <a:rPr lang="es-MX" dirty="0"/>
+              <a:t>Crear consultas para obtener datos</a:t>
+            </a:r>
+            <a:endParaRPr lang="en-US" dirty="0"/>
+          </a:p>
+        </p:txBody>
+      </p:sp>
+      <p:sp>
+        <p:nvSpPr>
+          <p:cNvPr id="4" name="Slide Number Placeholder 3">
+            <a:extLst>
+              <a:ext uri="{FF2B5EF4-FFF2-40B4-BE49-F238E27FC236}">
+                <a16:creationId xmlns:a16="http://schemas.microsoft.com/office/drawing/2014/main" id="{A0A34D6F-6E45-482B-A776-DAA0D23905C1}"/>
+              </a:ext>
+            </a:extLst>
+          </p:cNvPr>
+          <p:cNvSpPr>
+            <a:spLocks noGrp="1"/>
+          </p:cNvSpPr>
+          <p:nvPr>
+            <p:ph type="sldNum" idx="12"/>
+          </p:nvPr>
+        </p:nvSpPr>
+        <p:spPr/>
+        <p:txBody>
+          <a:bodyPr/>
+          <a:lstStyle/>
+          <a:p>
+            <a:pPr marL="0" lvl="0" indent="0">
+              <a:spcBef>
+                <a:spcPts val="0"/>
+              </a:spcBef>
+              <a:spcAft>
+                <a:spcPts val="0"/>
+              </a:spcAft>
+              <a:buNone/>
+            </a:pPr>
+            <a:fld id="{00000000-1234-1234-1234-123412341234}" type="slidenum">
+              <a:rPr lang="en" smtClean="0"/>
+              <a:t>5</a:t>
+            </a:fld>
+            <a:endParaRPr lang="en"/>
+          </a:p>
+        </p:txBody>
+      </p:sp>
+    </p:spTree>
+    <p:extLst>
+      <p:ext uri="{BB962C8B-B14F-4D97-AF65-F5344CB8AC3E}">
+        <p14:creationId xmlns:p14="http://schemas.microsoft.com/office/powerpoint/2010/main" val="4227465193"/>
+      </p:ext>
+    </p:extLst>
+  </p:cSld>
+  <p:clrMapOvr>
+    <a:masterClrMapping/>
+  </p:clrMapOvr>
+</p:sld>
+</file>
+
+<file path=ppt/slides/slide6.xml><?xml version="1.0" encoding="utf-8"?>
+<p:sld xmlns:a="http://schemas.openxmlformats.org/drawingml/2006/main" xmlns:r="http://schemas.openxmlformats.org/officeDocument/2006/relationships" xmlns:p="http://schemas.openxmlformats.org/presentationml/2006/main">
+  <p:cSld>
+    <p:spTree>
+      <p:nvGrpSpPr>
+        <p:cNvPr id="1" name=""/>
+        <p:cNvGrpSpPr/>
+        <p:nvPr/>
+      </p:nvGrpSpPr>
+      <p:grpSpPr>
+        <a:xfrm>
+          <a:off x="0" y="0"/>
+          <a:ext cx="0" cy="0"/>
+          <a:chOff x="0" y="0"/>
+          <a:chExt cx="0" cy="0"/>
+        </a:xfrm>
+      </p:grpSpPr>
+      <p:sp>
+        <p:nvSpPr>
           <p:cNvPr id="2" name="Título 1"/>
           <p:cNvSpPr>
             <a:spLocks noGrp="1"/>
@@ -6229,7 +7115,7 @@
             </a:pPr>
             <a:fld id="{00000000-1234-1234-1234-123412341234}" type="slidenum">
               <a:rPr lang="es-MX" smtClean="0"/>
-              <a:t>5</a:t>
+              <a:t>6</a:t>
             </a:fld>
             <a:endParaRPr lang="es-MX"/>
           </a:p>
@@ -6404,184 +7290,6 @@
 </p:sld>
 </file>
 
-<file path=ppt/slides/slide6.xml><?xml version="1.0" encoding="utf-8"?>
-<p:sld xmlns:a="http://schemas.openxmlformats.org/drawingml/2006/main" xmlns:r="http://schemas.openxmlformats.org/officeDocument/2006/relationships" xmlns:p="http://schemas.openxmlformats.org/presentationml/2006/main">
-  <p:cSld>
-    <p:spTree>
-      <p:nvGrpSpPr>
-        <p:cNvPr id="1" name=""/>
-        <p:cNvGrpSpPr/>
-        <p:nvPr/>
-      </p:nvGrpSpPr>
-      <p:grpSpPr>
-        <a:xfrm>
-          <a:off x="0" y="0"/>
-          <a:ext cx="0" cy="0"/>
-          <a:chOff x="0" y="0"/>
-          <a:chExt cx="0" cy="0"/>
-        </a:xfrm>
-      </p:grpSpPr>
-      <p:sp>
-        <p:nvSpPr>
-          <p:cNvPr id="2" name="Título 1"/>
-          <p:cNvSpPr>
-            <a:spLocks noGrp="1"/>
-          </p:cNvSpPr>
-          <p:nvPr>
-            <p:ph type="title"/>
-          </p:nvPr>
-        </p:nvSpPr>
-        <p:spPr/>
-        <p:txBody>
-          <a:bodyPr/>
-          <a:lstStyle/>
-          <a:p>
-            <a:r>
-              <a:rPr lang="es-MX" dirty="0"/>
-              <a:t>Patrones</a:t>
-            </a:r>
-          </a:p>
-        </p:txBody>
-      </p:sp>
-      <p:sp>
-        <p:nvSpPr>
-          <p:cNvPr id="3" name="Marcador de texto 2"/>
-          <p:cNvSpPr>
-            <a:spLocks noGrp="1"/>
-          </p:cNvSpPr>
-          <p:nvPr>
-            <p:ph type="body" idx="1"/>
-          </p:nvPr>
-        </p:nvSpPr>
-        <p:spPr/>
-        <p:txBody>
-          <a:bodyPr/>
-          <a:lstStyle/>
-          <a:p>
-            <a:r>
-              <a:rPr lang="es-MX" dirty="0"/>
-              <a:t>Las instrucciones WHERE pueden tener condiciones donde la comparamos con un </a:t>
-            </a:r>
-            <a:r>
-              <a:rPr lang="es-MX" dirty="0" err="1"/>
-              <a:t>string</a:t>
-            </a:r>
-            <a:r>
-              <a:rPr lang="es-MX" dirty="0"/>
-              <a:t>:</a:t>
-            </a:r>
-          </a:p>
-          <a:p>
-            <a:pPr lvl="1"/>
-            <a:r>
-              <a:rPr lang="es-MX" dirty="0"/>
-              <a:t>&lt;</a:t>
-            </a:r>
-            <a:r>
-              <a:rPr lang="es-MX" dirty="0" err="1"/>
-              <a:t>Attributo</a:t>
-            </a:r>
-            <a:r>
-              <a:rPr lang="es-MX" dirty="0"/>
-              <a:t>&gt; LIKE &lt;</a:t>
-            </a:r>
-            <a:r>
-              <a:rPr lang="es-MX" dirty="0" err="1"/>
-              <a:t>Patron</a:t>
-            </a:r>
-            <a:r>
-              <a:rPr lang="es-MX" dirty="0"/>
-              <a:t>&gt; o</a:t>
-            </a:r>
-          </a:p>
-          <a:p>
-            <a:pPr lvl="1"/>
-            <a:r>
-              <a:rPr lang="es-MX" dirty="0"/>
-              <a:t>&lt;</a:t>
-            </a:r>
-            <a:r>
-              <a:rPr lang="es-MX" dirty="0" err="1"/>
-              <a:t>Attributo</a:t>
-            </a:r>
-            <a:r>
-              <a:rPr lang="es-MX" dirty="0"/>
-              <a:t>&gt; NOT LIKE &lt;</a:t>
-            </a:r>
-            <a:r>
-              <a:rPr lang="es-MX" dirty="0" err="1"/>
-              <a:t>Patron</a:t>
-            </a:r>
-            <a:r>
-              <a:rPr lang="es-MX" dirty="0"/>
-              <a:t>&gt;</a:t>
-            </a:r>
-          </a:p>
-          <a:p>
-            <a:r>
-              <a:rPr lang="es-MX" dirty="0" err="1"/>
-              <a:t>Patron</a:t>
-            </a:r>
-            <a:r>
-              <a:rPr lang="es-MX" dirty="0"/>
-              <a:t> es un </a:t>
-            </a:r>
-            <a:r>
-              <a:rPr lang="es-MX" dirty="0" err="1"/>
-              <a:t>string</a:t>
-            </a:r>
-            <a:r>
-              <a:rPr lang="es-MX" dirty="0"/>
-              <a:t>.</a:t>
-            </a:r>
-          </a:p>
-        </p:txBody>
-      </p:sp>
-      <p:sp>
-        <p:nvSpPr>
-          <p:cNvPr id="4" name="Marcador de número de diapositiva 3"/>
-          <p:cNvSpPr>
-            <a:spLocks noGrp="1"/>
-          </p:cNvSpPr>
-          <p:nvPr>
-            <p:ph type="sldNum" idx="12"/>
-          </p:nvPr>
-        </p:nvSpPr>
-        <p:spPr/>
-        <p:txBody>
-          <a:bodyPr/>
-          <a:lstStyle/>
-          <a:p>
-            <a:pPr marL="0" lvl="0" indent="0">
-              <a:spcBef>
-                <a:spcPts val="0"/>
-              </a:spcBef>
-              <a:spcAft>
-                <a:spcPts val="0"/>
-              </a:spcAft>
-              <a:buNone/>
-            </a:pPr>
-            <a:fld id="{00000000-1234-1234-1234-123412341234}" type="slidenum">
-              <a:rPr lang="es-MX" smtClean="0"/>
-              <a:t>6</a:t>
-            </a:fld>
-            <a:endParaRPr lang="es-MX"/>
-          </a:p>
-        </p:txBody>
-      </p:sp>
-    </p:spTree>
-    <p:extLst>
-      <p:ext uri="{BB962C8B-B14F-4D97-AF65-F5344CB8AC3E}">
-        <p14:creationId xmlns:p14="http://schemas.microsoft.com/office/powerpoint/2010/main" val="2448771727"/>
-      </p:ext>
-    </p:extLst>
-  </p:cSld>
-  <p:clrMapOvr>
-    <a:masterClrMapping/>
-  </p:clrMapOvr>
-</p:sld>
-</file>
-
 <file path=ppt/slides/slide7.xml><?xml version="1.0" encoding="utf-8"?>
 <p:sld xmlns:a="http://schemas.openxmlformats.org/drawingml/2006/main" xmlns:r="http://schemas.openxmlformats.org/officeDocument/2006/relationships" xmlns:p="http://schemas.openxmlformats.org/presentationml/2006/main">
   <p:cSld>
@@ -6601,12 +7309,18 @@
       </p:grpSpPr>
       <p:sp>
         <p:nvSpPr>
-          <p:cNvPr id="5" name="Título 4"/>
+          <p:cNvPr id="5" name="Title 4">
+            <a:extLst>
+              <a:ext uri="{FF2B5EF4-FFF2-40B4-BE49-F238E27FC236}">
+                <a16:creationId xmlns:a16="http://schemas.microsoft.com/office/drawing/2014/main" id="{4623AD35-4AF9-411A-B57A-65C3A129AB5C}"/>
+              </a:ext>
+            </a:extLst>
+          </p:cNvPr>
           <p:cNvSpPr>
             <a:spLocks noGrp="1"/>
           </p:cNvSpPr>
           <p:nvPr>
-            <p:ph type="ctrTitle"/>
+            <p:ph type="title"/>
           </p:nvPr>
         </p:nvSpPr>
         <p:spPr/>
@@ -6616,33 +7330,25 @@
           <a:p>
             <a:r>
               <a:rPr lang="es-MX" dirty="0"/>
-              <a:t>SQL</a:t>
-            </a:r>
+              <a:t>SQL </a:t>
+            </a:r>
+            <a:r>
+              <a:rPr lang="es-MX" dirty="0" err="1"/>
+              <a:t>Fiddle</a:t>
+            </a:r>
+            <a:endParaRPr lang="en-US" dirty="0"/>
           </a:p>
         </p:txBody>
       </p:sp>
       <p:sp>
         <p:nvSpPr>
-          <p:cNvPr id="6" name="Subtítulo 5"/>
-          <p:cNvSpPr>
-            <a:spLocks noGrp="1"/>
-          </p:cNvSpPr>
-          <p:nvPr>
-            <p:ph type="subTitle" idx="1"/>
-          </p:nvPr>
-        </p:nvSpPr>
-        <p:spPr/>
-        <p:txBody>
-          <a:bodyPr/>
-          <a:lstStyle/>
-          <a:p>
-            <a:endParaRPr lang="es-MX"/>
-          </a:p>
-        </p:txBody>
-      </p:sp>
-      <p:sp>
-        <p:nvSpPr>
-          <p:cNvPr id="4" name="Marcador de número de diapositiva 3"/>
+          <p:cNvPr id="4" name="Slide Number Placeholder 3">
+            <a:extLst>
+              <a:ext uri="{FF2B5EF4-FFF2-40B4-BE49-F238E27FC236}">
+                <a16:creationId xmlns:a16="http://schemas.microsoft.com/office/drawing/2014/main" id="{DDFC81CC-CEA5-4807-BB0E-4B8D3C88CC81}"/>
+              </a:ext>
+            </a:extLst>
+          </p:cNvPr>
           <p:cNvSpPr>
             <a:spLocks noGrp="1"/>
           </p:cNvSpPr>
@@ -6665,17 +7371,47 @@
               <a:buNone/>
             </a:pPr>
             <a:fld id="{00000000-1234-1234-1234-123412341234}" type="slidenum">
-              <a:rPr lang="es-MX" smtClean="0"/>
+              <a:rPr lang="en" smtClean="0"/>
               <a:t>7</a:t>
             </a:fld>
-            <a:endParaRPr lang="es-MX"/>
+            <a:endParaRPr lang="en"/>
           </a:p>
         </p:txBody>
       </p:sp>
+      <p:pic>
+        <p:nvPicPr>
+          <p:cNvPr id="8" name="Picture 7">
+            <a:extLst>
+              <a:ext uri="{FF2B5EF4-FFF2-40B4-BE49-F238E27FC236}">
+                <a16:creationId xmlns:a16="http://schemas.microsoft.com/office/drawing/2014/main" id="{4CC4FCFB-2A7A-4F2C-90CD-95CBD3FD08E5}"/>
+              </a:ext>
+            </a:extLst>
+          </p:cNvPr>
+          <p:cNvPicPr>
+            <a:picLocks noChangeAspect="1"/>
+          </p:cNvPicPr>
+          <p:nvPr/>
+        </p:nvPicPr>
+        <p:blipFill>
+          <a:blip r:embed="rId2"/>
+          <a:stretch>
+            <a:fillRect/>
+          </a:stretch>
+        </p:blipFill>
+        <p:spPr>
+          <a:xfrm>
+            <a:off x="573740" y="1392586"/>
+            <a:ext cx="7682753" cy="2856878"/>
+          </a:xfrm>
+          <a:prstGeom prst="rect">
+            <a:avLst/>
+          </a:prstGeom>
+        </p:spPr>
+      </p:pic>
     </p:spTree>
     <p:extLst>
       <p:ext uri="{BB962C8B-B14F-4D97-AF65-F5344CB8AC3E}">
-        <p14:creationId xmlns:p14="http://schemas.microsoft.com/office/powerpoint/2010/main" val="3157358759"/>
+        <p14:creationId xmlns:p14="http://schemas.microsoft.com/office/powerpoint/2010/main" val="1335734400"/>
       </p:ext>
     </p:extLst>
   </p:cSld>
@@ -6707,7 +7443,7 @@
           <p:cNvPr id="5" name="Title 4">
             <a:extLst>
               <a:ext uri="{FF2B5EF4-FFF2-40B4-BE49-F238E27FC236}">
-                <a16:creationId xmlns:a16="http://schemas.microsoft.com/office/drawing/2014/main" id="{438259FB-6953-421A-BDFF-42AA466EAD4C}"/>
+                <a16:creationId xmlns:a16="http://schemas.microsoft.com/office/drawing/2014/main" id="{4623AD35-4AF9-411A-B57A-65C3A129AB5C}"/>
               </a:ext>
             </a:extLst>
           </p:cNvPr>
@@ -6724,16 +7460,12 @@
           <a:lstStyle/>
           <a:p>
             <a:r>
-              <a:rPr lang="en-US" dirty="0" err="1"/>
-              <a:t>Creaci</a:t>
+              <a:rPr lang="es-MX" dirty="0"/>
+              <a:t>SQL </a:t>
             </a:r>
             <a:r>
               <a:rPr lang="es-MX" dirty="0" err="1"/>
-              <a:t>ón</a:t>
-            </a:r>
-            <a:r>
-              <a:rPr lang="es-MX" dirty="0"/>
-              <a:t> de Tablas</a:t>
+              <a:t>Fiddle</a:t>
             </a:r>
             <a:endParaRPr lang="en-US" dirty="0"/>
           </a:p>
@@ -6744,7 +7476,7 @@
           <p:cNvPr id="4" name="Slide Number Placeholder 3">
             <a:extLst>
               <a:ext uri="{FF2B5EF4-FFF2-40B4-BE49-F238E27FC236}">
-                <a16:creationId xmlns:a16="http://schemas.microsoft.com/office/drawing/2014/main" id="{20BCA342-5144-4E89-B70C-3065D929F451}"/>
+                <a16:creationId xmlns:a16="http://schemas.microsoft.com/office/drawing/2014/main" id="{DDFC81CC-CEA5-4807-BB0E-4B8D3C88CC81}"/>
               </a:ext>
             </a:extLst>
           </p:cNvPr>
@@ -6777,12 +7509,96 @@
           </a:p>
         </p:txBody>
       </p:sp>
+      <p:pic>
+        <p:nvPicPr>
+          <p:cNvPr id="8" name="Picture 7">
+            <a:extLst>
+              <a:ext uri="{FF2B5EF4-FFF2-40B4-BE49-F238E27FC236}">
+                <a16:creationId xmlns:a16="http://schemas.microsoft.com/office/drawing/2014/main" id="{4CC4FCFB-2A7A-4F2C-90CD-95CBD3FD08E5}"/>
+              </a:ext>
+            </a:extLst>
+          </p:cNvPr>
+          <p:cNvPicPr>
+            <a:picLocks noChangeAspect="1"/>
+          </p:cNvPicPr>
+          <p:nvPr/>
+        </p:nvPicPr>
+        <p:blipFill>
+          <a:blip r:embed="rId2"/>
+          <a:stretch>
+            <a:fillRect/>
+          </a:stretch>
+        </p:blipFill>
+        <p:spPr>
+          <a:xfrm>
+            <a:off x="573740" y="1392586"/>
+            <a:ext cx="7682753" cy="2856878"/>
+          </a:xfrm>
+          <a:prstGeom prst="rect">
+            <a:avLst/>
+          </a:prstGeom>
+        </p:spPr>
+      </p:pic>
       <p:sp>
         <p:nvSpPr>
-          <p:cNvPr id="8" name="TextBox 7">
+          <p:cNvPr id="2" name="Rectangle 1">
             <a:extLst>
               <a:ext uri="{FF2B5EF4-FFF2-40B4-BE49-F238E27FC236}">
-                <a16:creationId xmlns:a16="http://schemas.microsoft.com/office/drawing/2014/main" id="{05127781-DE9E-4B9F-B526-24D481C2F7DC}"/>
+                <a16:creationId xmlns:a16="http://schemas.microsoft.com/office/drawing/2014/main" id="{2391315F-DEC7-4FA4-BAAF-DBDC326012E9}"/>
+              </a:ext>
+            </a:extLst>
+          </p:cNvPr>
+          <p:cNvSpPr/>
+          <p:nvPr/>
+        </p:nvSpPr>
+        <p:spPr>
+          <a:xfrm>
+            <a:off x="528918" y="1340224"/>
+            <a:ext cx="950258" cy="286870"/>
+          </a:xfrm>
+          <a:prstGeom prst="rect">
+            <a:avLst/>
+          </a:prstGeom>
+          <a:noFill/>
+          <a:ln w="28575" cap="flat" cmpd="sng" algn="ctr">
+            <a:solidFill>
+              <a:schemeClr val="accent6"/>
+            </a:solidFill>
+            <a:prstDash val="solid"/>
+            <a:round/>
+            <a:headEnd type="none" w="med" len="med"/>
+            <a:tailEnd type="none" w="med" len="med"/>
+          </a:ln>
+        </p:spPr>
+        <p:style>
+          <a:lnRef idx="0">
+            <a:scrgbClr r="0" g="0" b="0"/>
+          </a:lnRef>
+          <a:fillRef idx="0">
+            <a:scrgbClr r="0" g="0" b="0"/>
+          </a:fillRef>
+          <a:effectRef idx="0">
+            <a:scrgbClr r="0" g="0" b="0"/>
+          </a:effectRef>
+          <a:fontRef idx="minor">
+            <a:schemeClr val="accent6"/>
+          </a:fontRef>
+        </p:style>
+        <p:txBody>
+          <a:bodyPr rtlCol="0" anchor="ctr"/>
+          <a:lstStyle/>
+          <a:p>
+            <a:pPr algn="ctr"/>
+            <a:endParaRPr lang="en-US"/>
+          </a:p>
+        </p:txBody>
+      </p:sp>
+      <p:sp>
+        <p:nvSpPr>
+          <p:cNvPr id="3" name="TextBox 2">
+            <a:extLst>
+              <a:ext uri="{FF2B5EF4-FFF2-40B4-BE49-F238E27FC236}">
+                <a16:creationId xmlns:a16="http://schemas.microsoft.com/office/drawing/2014/main" id="{658CE878-6308-4ACA-8349-B7C648256545}"/>
               </a:ext>
             </a:extLst>
           </p:cNvPr>
@@ -6791,8 +7607,8 @@
         </p:nvSpPr>
         <p:spPr>
           <a:xfrm>
-            <a:off x="992368" y="1559432"/>
-            <a:ext cx="4574186" cy="1815882"/>
+            <a:off x="1004047" y="1654654"/>
+            <a:ext cx="2181138" cy="307777"/>
           </a:xfrm>
           <a:prstGeom prst="rect">
             <a:avLst/>
@@ -6800,174 +7616,31 @@
           <a:noFill/>
         </p:spPr>
         <p:txBody>
-          <a:bodyPr wrap="square">
+          <a:bodyPr wrap="square" rtlCol="0">
             <a:spAutoFit/>
           </a:bodyPr>
           <a:lstStyle/>
           <a:p>
             <a:r>
-              <a:rPr lang="en-US" dirty="0"/>
-              <a:t>CREATE TABLE [</a:t>
-            </a:r>
-            <a:r>
-              <a:rPr lang="en-US" dirty="0" err="1"/>
-              <a:t>database_name</a:t>
-            </a:r>
-            <a:r>
-              <a:rPr lang="en-US" dirty="0"/>
-              <a:t>.][</a:t>
-            </a:r>
-            <a:r>
-              <a:rPr lang="en-US" dirty="0" err="1"/>
-              <a:t>schema_name</a:t>
-            </a:r>
-            <a:r>
-              <a:rPr lang="en-US" dirty="0"/>
-              <a:t>.]</a:t>
-            </a:r>
-            <a:r>
-              <a:rPr lang="en-US" dirty="0" err="1"/>
-              <a:t>table_name</a:t>
-            </a:r>
-            <a:r>
-              <a:rPr lang="en-US" dirty="0"/>
-              <a:t> (</a:t>
-            </a:r>
-          </a:p>
-          <a:p>
-            <a:r>
-              <a:rPr lang="en-US" dirty="0"/>
-              <a:t>    </a:t>
-            </a:r>
-            <a:r>
-              <a:rPr lang="en-US" dirty="0" err="1"/>
-              <a:t>pk_column</a:t>
-            </a:r>
-            <a:r>
-              <a:rPr lang="en-US" dirty="0"/>
-              <a:t> </a:t>
-            </a:r>
-            <a:r>
-              <a:rPr lang="en-US" dirty="0" err="1"/>
-              <a:t>data_type</a:t>
-            </a:r>
-            <a:r>
-              <a:rPr lang="en-US" dirty="0"/>
-              <a:t> PRIMARY KEY,</a:t>
-            </a:r>
-          </a:p>
-          <a:p>
-            <a:r>
-              <a:rPr lang="en-US" dirty="0"/>
-              <a:t>    column_1 </a:t>
-            </a:r>
-            <a:r>
-              <a:rPr lang="en-US" dirty="0" err="1"/>
-              <a:t>data_type</a:t>
-            </a:r>
-            <a:r>
-              <a:rPr lang="en-US" dirty="0"/>
-              <a:t> NOT NULL,</a:t>
-            </a:r>
-          </a:p>
-          <a:p>
-            <a:r>
-              <a:rPr lang="en-US" dirty="0"/>
-              <a:t>    column_2 </a:t>
-            </a:r>
-            <a:r>
-              <a:rPr lang="en-US" dirty="0" err="1"/>
-              <a:t>data_type</a:t>
-            </a:r>
-            <a:r>
-              <a:rPr lang="en-US" dirty="0"/>
-              <a:t>,</a:t>
-            </a:r>
-          </a:p>
-          <a:p>
-            <a:r>
-              <a:rPr lang="en-US" dirty="0"/>
-              <a:t>    ...,</a:t>
-            </a:r>
-          </a:p>
-          <a:p>
-            <a:r>
-              <a:rPr lang="en-US" dirty="0"/>
-              <a:t>    </a:t>
-            </a:r>
-            <a:r>
-              <a:rPr lang="en-US" dirty="0" err="1"/>
-              <a:t>table_constraints</a:t>
-            </a:r>
-            <a:endParaRPr lang="en-US" dirty="0"/>
-          </a:p>
-          <a:p>
-            <a:r>
-              <a:rPr lang="en-US" dirty="0"/>
-              <a:t>);</a:t>
-            </a:r>
-          </a:p>
-        </p:txBody>
-      </p:sp>
-      <p:sp>
-        <p:nvSpPr>
-          <p:cNvPr id="10" name="TextBox 9">
-            <a:extLst>
-              <a:ext uri="{FF2B5EF4-FFF2-40B4-BE49-F238E27FC236}">
-                <a16:creationId xmlns:a16="http://schemas.microsoft.com/office/drawing/2014/main" id="{C1CCA3FB-AA9E-4E37-9F90-5C44A5BF8BC1}"/>
-              </a:ext>
-            </a:extLst>
-          </p:cNvPr>
-          <p:cNvSpPr txBox="1"/>
-          <p:nvPr/>
-        </p:nvSpPr>
-        <p:spPr>
-          <a:xfrm>
-            <a:off x="947780" y="3465791"/>
-            <a:ext cx="4574022" cy="954107"/>
-          </a:xfrm>
-          <a:prstGeom prst="rect">
-            <a:avLst/>
-          </a:prstGeom>
-          <a:noFill/>
-        </p:spPr>
-        <p:txBody>
-          <a:bodyPr wrap="square">
-            <a:spAutoFit/>
-          </a:bodyPr>
-          <a:lstStyle/>
-          <a:p>
-            <a:r>
-              <a:rPr lang="en-US" dirty="0"/>
-              <a:t>CREATE TABLE ForgeRock</a:t>
-            </a:r>
-          </a:p>
-          <a:p>
-            <a:r>
-              <a:rPr lang="en-US" dirty="0"/>
-              <a:t>    ([</a:t>
-            </a:r>
-            <a:r>
-              <a:rPr lang="en-US" dirty="0" err="1"/>
-              <a:t>productName</a:t>
-            </a:r>
-            <a:r>
-              <a:rPr lang="en-US" dirty="0"/>
-              <a:t>] varchar(13), [description] varchar(57))</a:t>
-            </a:r>
-          </a:p>
-          <a:p>
-            <a:r>
-              <a:rPr lang="en-US" dirty="0"/>
-              <a:t>;</a:t>
-            </a:r>
+              <a:rPr lang="es-MX" dirty="0">
+                <a:solidFill>
+                  <a:srgbClr val="FF0000"/>
+                </a:solidFill>
+              </a:rPr>
+              <a:t>Tipo de Base</a:t>
+            </a:r>
+            <a:endParaRPr lang="en-US" dirty="0">
+              <a:solidFill>
+                <a:srgbClr val="FF0000"/>
+              </a:solidFill>
+            </a:endParaRPr>
           </a:p>
         </p:txBody>
       </p:sp>
     </p:spTree>
     <p:extLst>
       <p:ext uri="{BB962C8B-B14F-4D97-AF65-F5344CB8AC3E}">
-        <p14:creationId xmlns:p14="http://schemas.microsoft.com/office/powerpoint/2010/main" val="46435999"/>
+        <p14:creationId xmlns:p14="http://schemas.microsoft.com/office/powerpoint/2010/main" val="3355544586"/>
       </p:ext>
     </p:extLst>
   </p:cSld>
@@ -6996,10 +7669,10 @@
       </p:grpSpPr>
       <p:sp>
         <p:nvSpPr>
-          <p:cNvPr id="2" name="Title 1">
+          <p:cNvPr id="5" name="Title 4">
             <a:extLst>
               <a:ext uri="{FF2B5EF4-FFF2-40B4-BE49-F238E27FC236}">
-                <a16:creationId xmlns:a16="http://schemas.microsoft.com/office/drawing/2014/main" id="{792570C0-E93D-4641-AF5F-DACB983D2C47}"/>
+                <a16:creationId xmlns:a16="http://schemas.microsoft.com/office/drawing/2014/main" id="{4623AD35-4AF9-411A-B57A-65C3A129AB5C}"/>
               </a:ext>
             </a:extLst>
           </p:cNvPr>
@@ -7015,7 +7688,15 @@
           <a:bodyPr/>
           <a:lstStyle/>
           <a:p>
-            <a:endParaRPr lang="en-US"/>
+            <a:r>
+              <a:rPr lang="es-MX" dirty="0"/>
+              <a:t>SQL </a:t>
+            </a:r>
+            <a:r>
+              <a:rPr lang="es-MX" dirty="0" err="1"/>
+              <a:t>Fiddle</a:t>
+            </a:r>
+            <a:endParaRPr lang="en-US" dirty="0"/>
           </a:p>
         </p:txBody>
       </p:sp>
@@ -7024,7 +7705,7 @@
           <p:cNvPr id="4" name="Slide Number Placeholder 3">
             <a:extLst>
               <a:ext uri="{FF2B5EF4-FFF2-40B4-BE49-F238E27FC236}">
-                <a16:creationId xmlns:a16="http://schemas.microsoft.com/office/drawing/2014/main" id="{DC87D621-69B0-4AEA-886B-B6A5E8C153D3}"/>
+                <a16:creationId xmlns:a16="http://schemas.microsoft.com/office/drawing/2014/main" id="{DDFC81CC-CEA5-4807-BB0E-4B8D3C88CC81}"/>
               </a:ext>
             </a:extLst>
           </p:cNvPr>
@@ -7057,12 +7738,96 @@
           </a:p>
         </p:txBody>
       </p:sp>
+      <p:pic>
+        <p:nvPicPr>
+          <p:cNvPr id="8" name="Picture 7">
+            <a:extLst>
+              <a:ext uri="{FF2B5EF4-FFF2-40B4-BE49-F238E27FC236}">
+                <a16:creationId xmlns:a16="http://schemas.microsoft.com/office/drawing/2014/main" id="{4CC4FCFB-2A7A-4F2C-90CD-95CBD3FD08E5}"/>
+              </a:ext>
+            </a:extLst>
+          </p:cNvPr>
+          <p:cNvPicPr>
+            <a:picLocks noChangeAspect="1"/>
+          </p:cNvPicPr>
+          <p:nvPr/>
+        </p:nvPicPr>
+        <p:blipFill>
+          <a:blip r:embed="rId2"/>
+          <a:stretch>
+            <a:fillRect/>
+          </a:stretch>
+        </p:blipFill>
+        <p:spPr>
+          <a:xfrm>
+            <a:off x="573740" y="1392586"/>
+            <a:ext cx="7682753" cy="2856878"/>
+          </a:xfrm>
+          <a:prstGeom prst="rect">
+            <a:avLst/>
+          </a:prstGeom>
+        </p:spPr>
+      </p:pic>
       <p:sp>
         <p:nvSpPr>
-          <p:cNvPr id="8" name="TextBox 7">
+          <p:cNvPr id="2" name="Rectangle 1">
             <a:extLst>
               <a:ext uri="{FF2B5EF4-FFF2-40B4-BE49-F238E27FC236}">
-                <a16:creationId xmlns:a16="http://schemas.microsoft.com/office/drawing/2014/main" id="{D42C31A8-050F-43D1-AD35-281D872105B6}"/>
+                <a16:creationId xmlns:a16="http://schemas.microsoft.com/office/drawing/2014/main" id="{2391315F-DEC7-4FA4-BAAF-DBDC326012E9}"/>
+              </a:ext>
+            </a:extLst>
+          </p:cNvPr>
+          <p:cNvSpPr/>
+          <p:nvPr/>
+        </p:nvSpPr>
+        <p:spPr>
+          <a:xfrm>
+            <a:off x="3842569" y="1315057"/>
+            <a:ext cx="950258" cy="286870"/>
+          </a:xfrm>
+          <a:prstGeom prst="rect">
+            <a:avLst/>
+          </a:prstGeom>
+          <a:noFill/>
+          <a:ln w="28575" cap="flat" cmpd="sng" algn="ctr">
+            <a:solidFill>
+              <a:schemeClr val="accent6"/>
+            </a:solidFill>
+            <a:prstDash val="solid"/>
+            <a:round/>
+            <a:headEnd type="none" w="med" len="med"/>
+            <a:tailEnd type="none" w="med" len="med"/>
+          </a:ln>
+        </p:spPr>
+        <p:style>
+          <a:lnRef idx="0">
+            <a:scrgbClr r="0" g="0" b="0"/>
+          </a:lnRef>
+          <a:fillRef idx="0">
+            <a:scrgbClr r="0" g="0" b="0"/>
+          </a:fillRef>
+          <a:effectRef idx="0">
+            <a:scrgbClr r="0" g="0" b="0"/>
+          </a:effectRef>
+          <a:fontRef idx="minor">
+            <a:schemeClr val="accent6"/>
+          </a:fontRef>
+        </p:style>
+        <p:txBody>
+          <a:bodyPr rtlCol="0" anchor="ctr"/>
+          <a:lstStyle/>
+          <a:p>
+            <a:pPr algn="ctr"/>
+            <a:endParaRPr lang="en-US"/>
+          </a:p>
+        </p:txBody>
+      </p:sp>
+      <p:sp>
+        <p:nvSpPr>
+          <p:cNvPr id="3" name="TextBox 2">
+            <a:extLst>
+              <a:ext uri="{FF2B5EF4-FFF2-40B4-BE49-F238E27FC236}">
+                <a16:creationId xmlns:a16="http://schemas.microsoft.com/office/drawing/2014/main" id="{658CE878-6308-4ACA-8349-B7C648256545}"/>
               </a:ext>
             </a:extLst>
           </p:cNvPr>
@@ -7071,8 +7836,8 @@
         </p:nvSpPr>
         <p:spPr>
           <a:xfrm>
-            <a:off x="864816" y="1708298"/>
-            <a:ext cx="4574022" cy="738664"/>
+            <a:off x="4082806" y="1562375"/>
+            <a:ext cx="2181138" cy="307777"/>
           </a:xfrm>
           <a:prstGeom prst="rect">
             <a:avLst/>
@@ -7080,153 +7845,31 @@
           <a:noFill/>
         </p:spPr>
         <p:txBody>
-          <a:bodyPr wrap="square">
+          <a:bodyPr wrap="square" rtlCol="0">
             <a:spAutoFit/>
           </a:bodyPr>
           <a:lstStyle/>
           <a:p>
             <a:r>
-              <a:rPr lang="en-US" dirty="0"/>
-              <a:t>INSERT  [ TOP ( expression ) [ PERCENT ] ] </a:t>
-            </a:r>
-          </a:p>
-          <a:p>
-            <a:r>
-              <a:rPr lang="en-US" dirty="0"/>
-              <a:t>INTO </a:t>
-            </a:r>
-            <a:r>
-              <a:rPr lang="en-US" dirty="0" err="1"/>
-              <a:t>target_table</a:t>
-            </a:r>
-            <a:r>
-              <a:rPr lang="en-US" dirty="0"/>
-              <a:t> (</a:t>
-            </a:r>
-            <a:r>
-              <a:rPr lang="en-US" dirty="0" err="1"/>
-              <a:t>column_list</a:t>
-            </a:r>
-            <a:r>
-              <a:rPr lang="en-US" dirty="0"/>
-              <a:t>)</a:t>
-            </a:r>
-          </a:p>
-          <a:p>
-            <a:r>
-              <a:rPr lang="en-US" dirty="0"/>
-              <a:t>query</a:t>
-            </a:r>
-          </a:p>
-        </p:txBody>
-      </p:sp>
-      <p:sp>
-        <p:nvSpPr>
-          <p:cNvPr id="10" name="TextBox 9">
-            <a:extLst>
-              <a:ext uri="{FF2B5EF4-FFF2-40B4-BE49-F238E27FC236}">
-                <a16:creationId xmlns:a16="http://schemas.microsoft.com/office/drawing/2014/main" id="{FE8F55A6-D923-4542-9961-2772BC23041C}"/>
-              </a:ext>
-            </a:extLst>
-          </p:cNvPr>
-          <p:cNvSpPr txBox="1"/>
-          <p:nvPr/>
-        </p:nvSpPr>
-        <p:spPr>
-          <a:xfrm>
-            <a:off x="814275" y="2622209"/>
-            <a:ext cx="4574022" cy="1815882"/>
-          </a:xfrm>
-          <a:prstGeom prst="rect">
-            <a:avLst/>
-          </a:prstGeom>
-          <a:noFill/>
-        </p:spPr>
-        <p:txBody>
-          <a:bodyPr wrap="square">
-            <a:spAutoFit/>
-          </a:bodyPr>
-          <a:lstStyle/>
-          <a:p>
-            <a:r>
-              <a:rPr lang="en-US" dirty="0"/>
-              <a:t>INSERT INTO ForgeRock</a:t>
-            </a:r>
-          </a:p>
-          <a:p>
-            <a:r>
-              <a:rPr lang="en-US" dirty="0"/>
-              <a:t>    ([</a:t>
-            </a:r>
-            <a:r>
-              <a:rPr lang="en-US" dirty="0" err="1"/>
-              <a:t>productName</a:t>
-            </a:r>
-            <a:r>
-              <a:rPr lang="en-US" dirty="0"/>
-              <a:t>], [description])</a:t>
-            </a:r>
-          </a:p>
-          <a:p>
-            <a:r>
-              <a:rPr lang="en-US" dirty="0"/>
-              <a:t>VALUES</a:t>
-            </a:r>
-          </a:p>
-          <a:p>
-            <a:r>
-              <a:rPr lang="en-US" dirty="0"/>
-              <a:t>    ('</a:t>
-            </a:r>
-            <a:r>
-              <a:rPr lang="en-US" dirty="0" err="1"/>
-              <a:t>OpenIDM</a:t>
-            </a:r>
-            <a:r>
-              <a:rPr lang="en-US" dirty="0"/>
-              <a:t>', 'Platform for building enterprise provisioning solutions'),</a:t>
-            </a:r>
-          </a:p>
-          <a:p>
-            <a:r>
-              <a:rPr lang="en-US" dirty="0"/>
-              <a:t>    ('</a:t>
-            </a:r>
-            <a:r>
-              <a:rPr lang="en-US" dirty="0" err="1"/>
-              <a:t>OpenAM</a:t>
-            </a:r>
-            <a:r>
-              <a:rPr lang="en-US" dirty="0"/>
-              <a:t>', 'Full-featured access management'),</a:t>
-            </a:r>
-          </a:p>
-          <a:p>
-            <a:r>
-              <a:rPr lang="en-US" dirty="0"/>
-              <a:t>    ('</a:t>
-            </a:r>
-            <a:r>
-              <a:rPr lang="en-US" dirty="0" err="1"/>
-              <a:t>OpenDJ</a:t>
-            </a:r>
-            <a:r>
-              <a:rPr lang="en-US" dirty="0"/>
-              <a:t>', 'Robust LDAP server for Java')</a:t>
-            </a:r>
-          </a:p>
-          <a:p>
-            <a:r>
-              <a:rPr lang="en-US" dirty="0"/>
-              <a:t>;</a:t>
-            </a:r>
+              <a:rPr lang="es-MX" dirty="0">
+                <a:solidFill>
+                  <a:srgbClr val="FF0000"/>
+                </a:solidFill>
+              </a:rPr>
+              <a:t>Creación de Base</a:t>
+            </a:r>
+            <a:endParaRPr lang="en-US" dirty="0">
+              <a:solidFill>
+                <a:srgbClr val="FF0000"/>
+              </a:solidFill>
+            </a:endParaRPr>
           </a:p>
         </p:txBody>
       </p:sp>
     </p:spTree>
     <p:extLst>
       <p:ext uri="{BB962C8B-B14F-4D97-AF65-F5344CB8AC3E}">
-        <p14:creationId xmlns:p14="http://schemas.microsoft.com/office/powerpoint/2010/main" val="3423840235"/>
+        <p14:creationId xmlns:p14="http://schemas.microsoft.com/office/powerpoint/2010/main" val="3739348866"/>
       </p:ext>
     </p:extLst>
   </p:cSld>
